--- a/trunk/docs/Nemala.pptx
+++ b/trunk/docs/Nemala.pptx
@@ -4655,22 +4655,14 @@
             <a:pPr algn="ctr"/>
             <a:r>
               <a:rPr lang="en-US" dirty="0" smtClean="0"/>
-              <a:t>Intro. To </a:t>
-            </a:r>
-            <a:r>
-              <a:rPr lang="en-US" dirty="0" smtClean="0"/>
-              <a:t>Robotics</a:t>
+              <a:t>Intro. To Robotics</a:t>
             </a:r>
             <a:br>
               <a:rPr lang="en-US" dirty="0" smtClean="0"/>
             </a:br>
             <a:r>
               <a:rPr lang="en-US" dirty="0" smtClean="0"/>
-              <a:t> </a:t>
-            </a:r>
-            <a:r>
-              <a:rPr lang="en-US" dirty="0" smtClean="0"/>
-              <a:t>236927</a:t>
+              <a:t> 236927</a:t>
             </a:r>
             <a:endParaRPr lang="he-IL" dirty="0"/>
           </a:p>
@@ -4740,11 +4732,7 @@
             <a:pPr algn="ctr"/>
             <a:r>
               <a:rPr lang="en-US" sz="2000" dirty="0" smtClean="0"/>
-              <a:t>S</a:t>
-            </a:r>
-            <a:r>
-              <a:rPr lang="en-US" sz="2000" dirty="0" smtClean="0"/>
-              <a:t>eptember 2009</a:t>
+              <a:t>September 2009</a:t>
             </a:r>
             <a:endParaRPr lang="he-IL" sz="2000" dirty="0"/>
           </a:p>
@@ -4871,15 +4859,7 @@
             <a:pPr lvl="1" algn="l" rtl="0"/>
             <a:r>
               <a:rPr lang="en-US" dirty="0" smtClean="0"/>
-              <a:t>Finds </a:t>
-            </a:r>
-            <a:r>
-              <a:rPr lang="en-US" dirty="0" smtClean="0"/>
-              <a:t>the path</a:t>
-            </a:r>
-            <a:r>
-              <a:rPr lang="en-US" dirty="0" smtClean="0"/>
-              <a:t>.</a:t>
+              <a:t>Finds the path.</a:t>
             </a:r>
           </a:p>
           <a:p>
@@ -4902,21 +4882,12 @@
               <a:rPr lang="en-US" dirty="0" smtClean="0"/>
               <a:t>Second comparison: starts with same orientation as current robot orientation</a:t>
             </a:r>
-            <a:endParaRPr lang="en-US" dirty="0" smtClean="0"/>
           </a:p>
           <a:p>
             <a:pPr lvl="1" algn="l" rtl="0"/>
             <a:r>
               <a:rPr lang="en-US" dirty="0" smtClean="0"/>
-              <a:t>Two </a:t>
-            </a:r>
-            <a:r>
-              <a:rPr lang="en-US" dirty="0" smtClean="0"/>
-              <a:t>types of </a:t>
-            </a:r>
-            <a:r>
-              <a:rPr lang="en-US" dirty="0" smtClean="0"/>
-              <a:t>paths (used for Bug Mode)</a:t>
+              <a:t>Two types of paths (used for Bug Mode)</a:t>
             </a:r>
           </a:p>
           <a:p>
@@ -4932,7 +4903,6 @@
               <a:rPr lang="en-US" dirty="0" smtClean="0"/>
               <a:t>Green:  the rest</a:t>
             </a:r>
-            <a:endParaRPr lang="en-US" dirty="0" smtClean="0"/>
           </a:p>
         </p:txBody>
       </p:sp>
@@ -4985,11 +4955,7 @@
           <a:p>
             <a:r>
               <a:rPr lang="en-US" dirty="0" smtClean="0"/>
-              <a:t>Main </a:t>
-            </a:r>
-            <a:r>
-              <a:rPr lang="en-US" dirty="0" smtClean="0"/>
-              <a:t>idea (cont.)</a:t>
+              <a:t>Main idea (cont.)</a:t>
             </a:r>
             <a:endParaRPr lang="he-IL" dirty="0"/>
           </a:p>
@@ -5020,11 +4986,7 @@
             <a:pPr algn="l" rtl="0"/>
             <a:r>
               <a:rPr lang="en-US" dirty="0" smtClean="0"/>
-              <a:t>Bug </a:t>
-            </a:r>
-            <a:r>
-              <a:rPr lang="en-US" dirty="0" smtClean="0"/>
-              <a:t>Mode</a:t>
+              <a:t>Bug Mode</a:t>
             </a:r>
           </a:p>
           <a:p>
@@ -5093,11 +5055,7 @@
             </a:pPr>
             <a:r>
               <a:rPr lang="en-US" dirty="0" smtClean="0"/>
-              <a:t>	</a:t>
-            </a:r>
-            <a:r>
-              <a:rPr lang="en-US" dirty="0" smtClean="0"/>
-              <a:t>(Then, orthogonal green path is guaranteed)</a:t>
+              <a:t>	(Then, orthogonal green path is guaranteed)</a:t>
             </a:r>
           </a:p>
           <a:p>
@@ -5121,6 +5079,13 @@
   <p:clrMapOvr>
     <a:masterClrMapping/>
   </p:clrMapOvr>
+  <p:timing>
+    <p:tnLst>
+      <p:par>
+        <p:cTn id="1" dur="indefinite" restart="never" nodeType="tmRoot"/>
+      </p:par>
+    </p:tnLst>
+  </p:timing>
 </p:sld>
 </file>
 
@@ -5174,16 +5139,42 @@
             <p:ph idx="1"/>
           </p:nvPr>
         </p:nvSpPr>
-        <p:spPr/>
-        <p:txBody>
-          <a:bodyPr/>
-          <a:lstStyle/>
+        <p:spPr>
+          <a:xfrm>
+            <a:off x="457200" y="1935480"/>
+            <a:ext cx="8229600" cy="4770120"/>
+          </a:xfrm>
+        </p:spPr>
+        <p:txBody>
+          <a:bodyPr>
+            <a:normAutofit/>
+          </a:bodyPr>
+          <a:lstStyle/>
+          <a:p>
+            <a:pPr algn="l" rtl="0"/>
+            <a:r>
+              <a:rPr lang="en-US" dirty="0" smtClean="0"/>
+              <a:t>Goal</a:t>
+            </a:r>
+          </a:p>
+          <a:p>
+            <a:pPr lvl="1" algn="l" rtl="0"/>
+            <a:r>
+              <a:rPr lang="en-US" dirty="0" smtClean="0"/>
+              <a:t>Navigate with minimal turns</a:t>
+            </a:r>
+          </a:p>
+          <a:p>
+            <a:pPr lvl="1" algn="l" rtl="0"/>
+            <a:endParaRPr lang="en-US" dirty="0" smtClean="0"/>
+          </a:p>
           <a:p>
             <a:pPr algn="l" rtl="0"/>
             <a:r>
               <a:rPr lang="en-US" dirty="0" smtClean="0"/>
               <a:t>Tuning</a:t>
             </a:r>
+            <a:endParaRPr lang="en-US" dirty="0" smtClean="0"/>
           </a:p>
           <a:p>
             <a:pPr lvl="1" algn="l" rtl="0"/>
@@ -5239,6 +5230,13 @@
   <p:clrMapOvr>
     <a:masterClrMapping/>
   </p:clrMapOvr>
+  <p:timing>
+    <p:tnLst>
+      <p:par>
+        <p:cTn id="1" dur="indefinite" restart="never" nodeType="tmRoot"/>
+      </p:par>
+    </p:tnLst>
+  </p:timing>
 </p:sld>
 </file>
 
@@ -5303,11 +5301,7 @@
             <a:pPr algn="l" rtl="0"/>
             <a:r>
               <a:rPr lang="en-US" dirty="0" smtClean="0"/>
-              <a:t>Slow Sonar</a:t>
-            </a:r>
-            <a:r>
-              <a:rPr lang="en-US" dirty="0" smtClean="0"/>
-              <a:t>’s response</a:t>
+              <a:t>Slow Sonar’s response</a:t>
             </a:r>
           </a:p>
           <a:p>
@@ -5316,7 +5310,6 @@
               <a:rPr lang="en-US" dirty="0" smtClean="0"/>
               <a:t>This disables us to continuously read sonar while driving</a:t>
             </a:r>
-            <a:endParaRPr lang="en-US" dirty="0" smtClean="0"/>
           </a:p>
           <a:p>
             <a:pPr algn="l" rtl="0"/>
@@ -5329,15 +5322,7 @@
             <a:pPr lvl="1" algn="l" rtl="0"/>
             <a:r>
               <a:rPr lang="en-US" dirty="0" smtClean="0"/>
-              <a:t>Deal with situation where sonar </a:t>
-            </a:r>
-            <a:r>
-              <a:rPr lang="en-US" dirty="0" smtClean="0"/>
-              <a:t>constantly </a:t>
-            </a:r>
-            <a:r>
-              <a:rPr lang="en-US" dirty="0" smtClean="0"/>
-              <a:t>read completely wrong distance</a:t>
+              <a:t>Deal with situation where sonar constantly read completely wrong distance</a:t>
             </a:r>
           </a:p>
           <a:p>
@@ -5346,7 +5331,6 @@
               <a:rPr lang="en-US" dirty="0" smtClean="0"/>
               <a:t>Particle Filter does NOT help in this case</a:t>
             </a:r>
-            <a:endParaRPr lang="en-US" dirty="0" smtClean="0"/>
           </a:p>
           <a:p>
             <a:pPr algn="l" rtl="0"/>
@@ -5359,11 +5343,7 @@
             <a:pPr algn="l" rtl="0"/>
             <a:r>
               <a:rPr lang="en-US" dirty="0" smtClean="0"/>
-              <a:t>The </a:t>
-            </a:r>
-            <a:r>
-              <a:rPr lang="en-US" dirty="0" smtClean="0"/>
-              <a:t>fact that only one robot is good for all.</a:t>
+              <a:t>The fact that only one robot is good for all.</a:t>
             </a:r>
           </a:p>
         </p:txBody>
@@ -5373,6 +5353,13 @@
   <p:clrMapOvr>
     <a:masterClrMapping/>
   </p:clrMapOvr>
+  <p:timing>
+    <p:tnLst>
+      <p:par>
+        <p:cTn id="1" dur="indefinite" restart="never" nodeType="tmRoot"/>
+      </p:par>
+    </p:tnLst>
+  </p:timing>
 </p:sld>
 </file>
 
